--- a/ppt/Git.pptx
+++ b/ppt/Git.pptx
@@ -10,6 +10,7 @@
     <p:sldId id="261" r:id="rId4"/>
     <p:sldId id="256" r:id="rId5"/>
     <p:sldId id="260" r:id="rId6"/>
+    <p:sldId id="262" r:id="rId7"/>
   </p:sldIdLst>
   <p:sldSz cx="12192000" cy="6858000"/>
   <p:notesSz cx="6858000" cy="9144000"/>
@@ -108,6 +109,11 @@
       </a:defRPr>
     </a:lvl9pPr>
   </p:defaultTextStyle>
+  <p:extLst>
+    <p:ext uri="{EFAFB233-063F-42B5-8137-9DF3F51BA10A}">
+      <p15:sldGuideLst xmlns:p15="http://schemas.microsoft.com/office/powerpoint/2012/main"/>
+    </p:ext>
+  </p:extLst>
 </p:presentation>
 </file>
 
@@ -242,7 +248,7 @@
           <a:p>
             <a:fld id="{F1F983FE-EEA9-48C4-ADB0-C2BF715B0F69}" type="datetimeFigureOut">
               <a:rPr lang="en-US" smtClean="0"/>
-              <a:t>3/3/2017</a:t>
+              <a:t>3/13/2017</a:t>
             </a:fld>
             <a:endParaRPr lang="en-US"/>
           </a:p>
@@ -412,7 +418,7 @@
           <a:p>
             <a:fld id="{F1F983FE-EEA9-48C4-ADB0-C2BF715B0F69}" type="datetimeFigureOut">
               <a:rPr lang="en-US" smtClean="0"/>
-              <a:t>3/3/2017</a:t>
+              <a:t>3/13/2017</a:t>
             </a:fld>
             <a:endParaRPr lang="en-US"/>
           </a:p>
@@ -592,7 +598,7 @@
           <a:p>
             <a:fld id="{F1F983FE-EEA9-48C4-ADB0-C2BF715B0F69}" type="datetimeFigureOut">
               <a:rPr lang="en-US" smtClean="0"/>
-              <a:t>3/3/2017</a:t>
+              <a:t>3/13/2017</a:t>
             </a:fld>
             <a:endParaRPr lang="en-US"/>
           </a:p>
@@ -762,7 +768,7 @@
           <a:p>
             <a:fld id="{F1F983FE-EEA9-48C4-ADB0-C2BF715B0F69}" type="datetimeFigureOut">
               <a:rPr lang="en-US" smtClean="0"/>
-              <a:t>3/3/2017</a:t>
+              <a:t>3/13/2017</a:t>
             </a:fld>
             <a:endParaRPr lang="en-US"/>
           </a:p>
@@ -1008,7 +1014,7 @@
           <a:p>
             <a:fld id="{F1F983FE-EEA9-48C4-ADB0-C2BF715B0F69}" type="datetimeFigureOut">
               <a:rPr lang="en-US" smtClean="0"/>
-              <a:t>3/3/2017</a:t>
+              <a:t>3/13/2017</a:t>
             </a:fld>
             <a:endParaRPr lang="en-US"/>
           </a:p>
@@ -1240,7 +1246,7 @@
           <a:p>
             <a:fld id="{F1F983FE-EEA9-48C4-ADB0-C2BF715B0F69}" type="datetimeFigureOut">
               <a:rPr lang="en-US" smtClean="0"/>
-              <a:t>3/3/2017</a:t>
+              <a:t>3/13/2017</a:t>
             </a:fld>
             <a:endParaRPr lang="en-US"/>
           </a:p>
@@ -1607,7 +1613,7 @@
           <a:p>
             <a:fld id="{F1F983FE-EEA9-48C4-ADB0-C2BF715B0F69}" type="datetimeFigureOut">
               <a:rPr lang="en-US" smtClean="0"/>
-              <a:t>3/3/2017</a:t>
+              <a:t>3/13/2017</a:t>
             </a:fld>
             <a:endParaRPr lang="en-US"/>
           </a:p>
@@ -1725,7 +1731,7 @@
           <a:p>
             <a:fld id="{F1F983FE-EEA9-48C4-ADB0-C2BF715B0F69}" type="datetimeFigureOut">
               <a:rPr lang="en-US" smtClean="0"/>
-              <a:t>3/3/2017</a:t>
+              <a:t>3/13/2017</a:t>
             </a:fld>
             <a:endParaRPr lang="en-US"/>
           </a:p>
@@ -1820,7 +1826,7 @@
           <a:p>
             <a:fld id="{F1F983FE-EEA9-48C4-ADB0-C2BF715B0F69}" type="datetimeFigureOut">
               <a:rPr lang="en-US" smtClean="0"/>
-              <a:t>3/3/2017</a:t>
+              <a:t>3/13/2017</a:t>
             </a:fld>
             <a:endParaRPr lang="en-US"/>
           </a:p>
@@ -2097,7 +2103,7 @@
           <a:p>
             <a:fld id="{F1F983FE-EEA9-48C4-ADB0-C2BF715B0F69}" type="datetimeFigureOut">
               <a:rPr lang="en-US" smtClean="0"/>
-              <a:t>3/3/2017</a:t>
+              <a:t>3/13/2017</a:t>
             </a:fld>
             <a:endParaRPr lang="en-US"/>
           </a:p>
@@ -2350,7 +2356,7 @@
           <a:p>
             <a:fld id="{F1F983FE-EEA9-48C4-ADB0-C2BF715B0F69}" type="datetimeFigureOut">
               <a:rPr lang="en-US" smtClean="0"/>
-              <a:t>3/3/2017</a:t>
+              <a:t>3/13/2017</a:t>
             </a:fld>
             <a:endParaRPr lang="en-US"/>
           </a:p>
@@ -2563,7 +2569,7 @@
           <a:p>
             <a:fld id="{F1F983FE-EEA9-48C4-ADB0-C2BF715B0F69}" type="datetimeFigureOut">
               <a:rPr lang="en-US" smtClean="0"/>
-              <a:t>3/3/2017</a:t>
+              <a:t>3/13/2017</a:t>
             </a:fld>
             <a:endParaRPr lang="en-US"/>
           </a:p>
@@ -3172,11 +3178,7 @@
             </a:r>
             <a:r>
               <a:rPr lang="en-US" dirty="0" smtClean="0"/>
-              <a:t> </a:t>
-            </a:r>
-            <a:r>
-              <a:rPr lang="en-US" dirty="0" smtClean="0"/>
-              <a:t>checkout &lt;branch-name&gt;</a:t>
+              <a:t> checkout &lt;branch-name&gt;</a:t>
             </a:r>
           </a:p>
           <a:p>
@@ -3265,11 +3267,7 @@
             </a:r>
             <a:r>
               <a:rPr lang="en-US" dirty="0" smtClean="0"/>
-              <a:t> </a:t>
-            </a:r>
-            <a:r>
-              <a:rPr lang="en-US" dirty="0" smtClean="0"/>
-              <a:t>checkout –b &lt;branch-name&gt;</a:t>
+              <a:t> checkout –b &lt;branch-name&gt;</a:t>
             </a:r>
           </a:p>
           <a:p>
@@ -3279,11 +3277,7 @@
             </a:r>
             <a:r>
               <a:rPr lang="en-US" dirty="0" err="1" smtClean="0"/>
-              <a:t>g</a:t>
-            </a:r>
-            <a:r>
-              <a:rPr lang="en-US" dirty="0" err="1" smtClean="0"/>
-              <a:t>it</a:t>
+              <a:t>git</a:t>
             </a:r>
             <a:r>
               <a:rPr lang="en-US" dirty="0" smtClean="0"/>
@@ -3301,11 +3295,7 @@
             </a:r>
             <a:r>
               <a:rPr lang="en-US" dirty="0" smtClean="0"/>
-              <a:t> checkout </a:t>
-            </a:r>
-            <a:r>
-              <a:rPr lang="en-US" dirty="0" smtClean="0"/>
-              <a:t>&lt;branch-name&gt;</a:t>
+              <a:t> checkout &lt;branch-name&gt;</a:t>
             </a:r>
           </a:p>
           <a:p>
@@ -3394,11 +3384,7 @@
             </a:r>
             <a:r>
               <a:rPr lang="en-US" dirty="0" smtClean="0"/>
-              <a:t> checkout &lt;branch-name&gt;</a:t>
-            </a:r>
-            <a:r>
-              <a:rPr lang="en-US" dirty="0" smtClean="0"/>
-              <a:t>)</a:t>
+              <a:t> checkout &lt;branch-name&gt;)</a:t>
             </a:r>
           </a:p>
           <a:p>
@@ -3422,6 +3408,464 @@
     <p:extLst>
       <p:ext uri="{BB962C8B-B14F-4D97-AF65-F5344CB8AC3E}">
         <p14:creationId xmlns:p14="http://schemas.microsoft.com/office/powerpoint/2010/main" val="3360655764"/>
+      </p:ext>
+    </p:extLst>
+  </p:cSld>
+  <p:clrMapOvr>
+    <a:masterClrMapping/>
+  </p:clrMapOvr>
+</p:sld>
+</file>
+
+<file path=ppt/slides/slide6.xml><?xml version="1.0" encoding="utf-8"?>
+<p:sld xmlns:a="http://schemas.openxmlformats.org/drawingml/2006/main" xmlns:r="http://schemas.openxmlformats.org/officeDocument/2006/relationships" xmlns:p="http://schemas.openxmlformats.org/presentationml/2006/main">
+  <p:cSld>
+    <p:spTree>
+      <p:nvGrpSpPr>
+        <p:cNvPr id="1" name=""/>
+        <p:cNvGrpSpPr/>
+        <p:nvPr/>
+      </p:nvGrpSpPr>
+      <p:grpSpPr>
+        <a:xfrm>
+          <a:off x="0" y="0"/>
+          <a:ext cx="0" cy="0"/>
+          <a:chOff x="0" y="0"/>
+          <a:chExt cx="0" cy="0"/>
+        </a:xfrm>
+      </p:grpSpPr>
+      <p:sp>
+        <p:nvSpPr>
+          <p:cNvPr id="2" name="Title 1"/>
+          <p:cNvSpPr>
+            <a:spLocks noGrp="1"/>
+          </p:cNvSpPr>
+          <p:nvPr>
+            <p:ph type="title"/>
+          </p:nvPr>
+        </p:nvSpPr>
+        <p:spPr/>
+        <p:txBody>
+          <a:bodyPr/>
+          <a:lstStyle/>
+          <a:p>
+            <a:endParaRPr lang="en-US"/>
+          </a:p>
+        </p:txBody>
+      </p:sp>
+      <p:sp>
+        <p:nvSpPr>
+          <p:cNvPr id="4" name="Rectangle 1"/>
+          <p:cNvSpPr>
+            <a:spLocks noGrp="1" noChangeArrowheads="1"/>
+          </p:cNvSpPr>
+          <p:nvPr>
+            <p:ph idx="1"/>
+          </p:nvPr>
+        </p:nvSpPr>
+        <p:spPr bwMode="auto">
+          <a:xfrm>
+            <a:off x="1130300" y="3748088"/>
+            <a:ext cx="10316927" cy="2462213"/>
+          </a:xfrm>
+          <a:prstGeom prst="rect">
+            <a:avLst/>
+          </a:prstGeom>
+          <a:solidFill>
+            <a:srgbClr val="FFFFFF"/>
+          </a:solidFill>
+          <a:ln>
+            <a:noFill/>
+          </a:ln>
+          <a:effectLst/>
+          <a:extLst>
+            <a:ext uri="{91240B29-F687-4F45-9708-019B960494DF}">
+              <a14:hiddenLine xmlns:a14="http://schemas.microsoft.com/office/drawing/2010/main" w="9525">
+                <a:solidFill>
+                  <a:schemeClr val="tx1"/>
+                </a:solidFill>
+                <a:miter lim="800000"/>
+                <a:headEnd/>
+                <a:tailEnd/>
+              </a14:hiddenLine>
+            </a:ext>
+            <a:ext uri="{AF507438-7753-43E0-B8FC-AC1667EBCBE1}">
+              <a14:hiddenEffects xmlns:a14="http://schemas.microsoft.com/office/drawing/2010/main">
+                <a:effectLst>
+                  <a:outerShdw dist="35921" dir="2700000" algn="ctr" rotWithShape="0">
+                    <a:schemeClr val="bg2"/>
+                  </a:outerShdw>
+                </a:effectLst>
+              </a14:hiddenEffects>
+            </a:ext>
+          </a:extLst>
+        </p:spPr>
+        <p:txBody>
+          <a:bodyPr vert="horz" wrap="none" lIns="0" tIns="0" rIns="0" bIns="0" numCol="1" anchor="ctr" anchorCtr="0" compatLnSpc="1">
+            <a:prstTxWarp prst="textNoShape">
+              <a:avLst/>
+            </a:prstTxWarp>
+            <a:spAutoFit/>
+          </a:bodyPr>
+          <a:lstStyle/>
+          <a:p>
+            <a:pPr marL="0" marR="0" lvl="0" indent="0" algn="l" defTabSz="914400" rtl="0" eaLnBrk="0" fontAlgn="base" latinLnBrk="0" hangingPunct="0">
+              <a:lnSpc>
+                <a:spcPct val="100000"/>
+              </a:lnSpc>
+              <a:spcBef>
+                <a:spcPct val="0"/>
+              </a:spcBef>
+              <a:spcAft>
+                <a:spcPct val="0"/>
+              </a:spcAft>
+              <a:buClrTx/>
+              <a:buSzTx/>
+              <a:buFontTx/>
+              <a:buNone/>
+              <a:tabLst/>
+            </a:pPr>
+            <a:endParaRPr kumimoji="0" lang="en-US" altLang="en-US" sz="3200" b="0" i="0" u="none" strike="noStrike" cap="none" normalizeH="0" baseline="0" dirty="0" smtClean="0">
+              <a:ln>
+                <a:noFill/>
+              </a:ln>
+              <a:solidFill>
+                <a:schemeClr val="tx1"/>
+              </a:solidFill>
+              <a:effectLst/>
+              <a:latin typeface="Arial" panose="020B0604020202020204" pitchFamily="34" charset="0"/>
+            </a:endParaRPr>
+          </a:p>
+          <a:p>
+            <a:pPr marL="0" marR="0" lvl="0" indent="0" algn="l" defTabSz="914400" rtl="0" eaLnBrk="0" fontAlgn="base" latinLnBrk="0" hangingPunct="0">
+              <a:lnSpc>
+                <a:spcPct val="100000"/>
+              </a:lnSpc>
+              <a:spcBef>
+                <a:spcPct val="0"/>
+              </a:spcBef>
+              <a:spcAft>
+                <a:spcPct val="0"/>
+              </a:spcAft>
+              <a:buClrTx/>
+              <a:buSzTx/>
+              <a:buFontTx/>
+              <a:buChar char="•"/>
+              <a:tabLst/>
+            </a:pPr>
+            <a:r>
+              <a:rPr kumimoji="0" lang="en-US" altLang="en-US" sz="3200" b="0" i="0" u="none" strike="noStrike" cap="none" normalizeH="0" baseline="0" dirty="0" err="1" smtClean="0">
+                <a:ln>
+                  <a:noFill/>
+                </a:ln>
+                <a:solidFill>
+                  <a:srgbClr val="242729"/>
+                </a:solidFill>
+                <a:effectLst/>
+                <a:latin typeface="Consolas" panose="020B0609020204030204" pitchFamily="49" charset="0"/>
+                <a:cs typeface="Consolas" panose="020B0609020204030204" pitchFamily="49" charset="0"/>
+              </a:rPr>
+              <a:t>git</a:t>
+            </a:r>
+            <a:r>
+              <a:rPr kumimoji="0" lang="en-US" altLang="en-US" sz="3200" b="0" i="0" u="none" strike="noStrike" cap="none" normalizeH="0" baseline="0" dirty="0" smtClean="0">
+                <a:ln>
+                  <a:noFill/>
+                </a:ln>
+                <a:solidFill>
+                  <a:srgbClr val="242729"/>
+                </a:solidFill>
+                <a:effectLst/>
+                <a:latin typeface="Consolas" panose="020B0609020204030204" pitchFamily="49" charset="0"/>
+                <a:cs typeface="Consolas" panose="020B0609020204030204" pitchFamily="49" charset="0"/>
+              </a:rPr>
+              <a:t> add -A</a:t>
+            </a:r>
+            <a:r>
+              <a:rPr kumimoji="0" lang="en-US" altLang="en-US" sz="3200" b="0" i="0" u="none" strike="noStrike" cap="none" normalizeH="0" baseline="0" dirty="0" smtClean="0">
+                <a:ln>
+                  <a:noFill/>
+                </a:ln>
+                <a:solidFill>
+                  <a:srgbClr val="242729"/>
+                </a:solidFill>
+                <a:effectLst/>
+                <a:latin typeface="Arial" panose="020B0604020202020204" pitchFamily="34" charset="0"/>
+                <a:cs typeface="Arial" panose="020B0604020202020204" pitchFamily="34" charset="0"/>
+              </a:rPr>
+              <a:t> stages </a:t>
+            </a:r>
+            <a:r>
+              <a:rPr kumimoji="0" lang="en-US" altLang="en-US" sz="3200" b="1" i="0" u="none" strike="noStrike" cap="none" normalizeH="0" baseline="0" dirty="0" smtClean="0">
+                <a:ln>
+                  <a:noFill/>
+                </a:ln>
+                <a:solidFill>
+                  <a:srgbClr val="242729"/>
+                </a:solidFill>
+                <a:effectLst/>
+                <a:latin typeface="Arial" panose="020B0604020202020204" pitchFamily="34" charset="0"/>
+                <a:cs typeface="Arial" panose="020B0604020202020204" pitchFamily="34" charset="0"/>
+              </a:rPr>
+              <a:t>All</a:t>
+            </a:r>
+            <a:endParaRPr kumimoji="0" lang="en-US" altLang="en-US" sz="3200" b="0" i="0" u="none" strike="noStrike" cap="none" normalizeH="0" baseline="0" dirty="0" smtClean="0">
+              <a:ln>
+                <a:noFill/>
+              </a:ln>
+              <a:solidFill>
+                <a:srgbClr val="242729"/>
+              </a:solidFill>
+              <a:effectLst/>
+              <a:latin typeface="Arial" panose="020B0604020202020204" pitchFamily="34" charset="0"/>
+              <a:cs typeface="Arial" panose="020B0604020202020204" pitchFamily="34" charset="0"/>
+            </a:endParaRPr>
+          </a:p>
+          <a:p>
+            <a:pPr marL="0" marR="0" lvl="0" indent="0" algn="l" defTabSz="914400" rtl="0" eaLnBrk="0" fontAlgn="base" latinLnBrk="0" hangingPunct="0">
+              <a:lnSpc>
+                <a:spcPct val="100000"/>
+              </a:lnSpc>
+              <a:spcBef>
+                <a:spcPct val="0"/>
+              </a:spcBef>
+              <a:spcAft>
+                <a:spcPct val="0"/>
+              </a:spcAft>
+              <a:buClrTx/>
+              <a:buSzTx/>
+              <a:buFontTx/>
+              <a:buChar char="•"/>
+              <a:tabLst/>
+            </a:pPr>
+            <a:r>
+              <a:rPr kumimoji="0" lang="en-US" altLang="en-US" sz="3200" b="0" i="0" u="none" strike="noStrike" cap="none" normalizeH="0" baseline="0" dirty="0" err="1" smtClean="0">
+                <a:ln>
+                  <a:noFill/>
+                </a:ln>
+                <a:solidFill>
+                  <a:srgbClr val="242729"/>
+                </a:solidFill>
+                <a:effectLst/>
+                <a:latin typeface="Consolas" panose="020B0609020204030204" pitchFamily="49" charset="0"/>
+                <a:cs typeface="Consolas" panose="020B0609020204030204" pitchFamily="49" charset="0"/>
+              </a:rPr>
+              <a:t>git</a:t>
+            </a:r>
+            <a:r>
+              <a:rPr kumimoji="0" lang="en-US" altLang="en-US" sz="3200" b="0" i="0" u="none" strike="noStrike" cap="none" normalizeH="0" baseline="0" dirty="0" smtClean="0">
+                <a:ln>
+                  <a:noFill/>
+                </a:ln>
+                <a:solidFill>
+                  <a:srgbClr val="242729"/>
+                </a:solidFill>
+                <a:effectLst/>
+                <a:latin typeface="Consolas" panose="020B0609020204030204" pitchFamily="49" charset="0"/>
+                <a:cs typeface="Consolas" panose="020B0609020204030204" pitchFamily="49" charset="0"/>
+              </a:rPr>
+              <a:t> add .</a:t>
+            </a:r>
+            <a:r>
+              <a:rPr kumimoji="0" lang="en-US" altLang="en-US" sz="3200" b="0" i="0" u="none" strike="noStrike" cap="none" normalizeH="0" baseline="0" dirty="0" smtClean="0">
+                <a:ln>
+                  <a:noFill/>
+                </a:ln>
+                <a:solidFill>
+                  <a:srgbClr val="242729"/>
+                </a:solidFill>
+                <a:effectLst/>
+                <a:latin typeface="Arial" panose="020B0604020202020204" pitchFamily="34" charset="0"/>
+                <a:cs typeface="Arial" panose="020B0604020202020204" pitchFamily="34" charset="0"/>
+              </a:rPr>
+              <a:t> stages new and modified, </a:t>
+            </a:r>
+            <a:r>
+              <a:rPr kumimoji="0" lang="en-US" altLang="en-US" sz="3200" b="1" i="0" u="none" strike="noStrike" cap="none" normalizeH="0" baseline="0" dirty="0" smtClean="0">
+                <a:ln>
+                  <a:noFill/>
+                </a:ln>
+                <a:solidFill>
+                  <a:srgbClr val="242729"/>
+                </a:solidFill>
+                <a:effectLst/>
+                <a:latin typeface="Arial" panose="020B0604020202020204" pitchFamily="34" charset="0"/>
+                <a:cs typeface="Arial" panose="020B0604020202020204" pitchFamily="34" charset="0"/>
+              </a:rPr>
+              <a:t>without deleted</a:t>
+            </a:r>
+            <a:endParaRPr kumimoji="0" lang="en-US" altLang="en-US" sz="3200" b="0" i="0" u="none" strike="noStrike" cap="none" normalizeH="0" baseline="0" dirty="0" smtClean="0">
+              <a:ln>
+                <a:noFill/>
+              </a:ln>
+              <a:solidFill>
+                <a:srgbClr val="242729"/>
+              </a:solidFill>
+              <a:effectLst/>
+              <a:latin typeface="Arial" panose="020B0604020202020204" pitchFamily="34" charset="0"/>
+              <a:cs typeface="Arial" panose="020B0604020202020204" pitchFamily="34" charset="0"/>
+            </a:endParaRPr>
+          </a:p>
+          <a:p>
+            <a:pPr marL="0" marR="0" lvl="0" indent="0" algn="l" defTabSz="914400" rtl="0" eaLnBrk="0" fontAlgn="base" latinLnBrk="0" hangingPunct="0">
+              <a:lnSpc>
+                <a:spcPct val="100000"/>
+              </a:lnSpc>
+              <a:spcBef>
+                <a:spcPct val="0"/>
+              </a:spcBef>
+              <a:spcAft>
+                <a:spcPct val="0"/>
+              </a:spcAft>
+              <a:buClrTx/>
+              <a:buSzTx/>
+              <a:buFontTx/>
+              <a:buChar char="•"/>
+              <a:tabLst/>
+            </a:pPr>
+            <a:r>
+              <a:rPr kumimoji="0" lang="en-US" altLang="en-US" sz="3200" b="0" i="0" u="none" strike="noStrike" cap="none" normalizeH="0" baseline="0" dirty="0" err="1" smtClean="0">
+                <a:ln>
+                  <a:noFill/>
+                </a:ln>
+                <a:solidFill>
+                  <a:srgbClr val="242729"/>
+                </a:solidFill>
+                <a:effectLst/>
+                <a:latin typeface="Consolas" panose="020B0609020204030204" pitchFamily="49" charset="0"/>
+                <a:cs typeface="Consolas" panose="020B0609020204030204" pitchFamily="49" charset="0"/>
+              </a:rPr>
+              <a:t>git</a:t>
+            </a:r>
+            <a:r>
+              <a:rPr kumimoji="0" lang="en-US" altLang="en-US" sz="3200" b="0" i="0" u="none" strike="noStrike" cap="none" normalizeH="0" baseline="0" dirty="0" smtClean="0">
+                <a:ln>
+                  <a:noFill/>
+                </a:ln>
+                <a:solidFill>
+                  <a:srgbClr val="242729"/>
+                </a:solidFill>
+                <a:effectLst/>
+                <a:latin typeface="Consolas" panose="020B0609020204030204" pitchFamily="49" charset="0"/>
+                <a:cs typeface="Consolas" panose="020B0609020204030204" pitchFamily="49" charset="0"/>
+              </a:rPr>
+              <a:t> add -u</a:t>
+            </a:r>
+            <a:r>
+              <a:rPr kumimoji="0" lang="en-US" altLang="en-US" sz="3200" b="0" i="0" u="none" strike="noStrike" cap="none" normalizeH="0" baseline="0" dirty="0" smtClean="0">
+                <a:ln>
+                  <a:noFill/>
+                </a:ln>
+                <a:solidFill>
+                  <a:srgbClr val="242729"/>
+                </a:solidFill>
+                <a:effectLst/>
+                <a:latin typeface="Arial" panose="020B0604020202020204" pitchFamily="34" charset="0"/>
+                <a:cs typeface="Arial" panose="020B0604020202020204" pitchFamily="34" charset="0"/>
+              </a:rPr>
+              <a:t> stages modified and deleted, </a:t>
+            </a:r>
+            <a:r>
+              <a:rPr kumimoji="0" lang="en-US" altLang="en-US" sz="3200" b="1" i="0" u="none" strike="noStrike" cap="none" normalizeH="0" baseline="0" dirty="0" smtClean="0">
+                <a:ln>
+                  <a:noFill/>
+                </a:ln>
+                <a:solidFill>
+                  <a:srgbClr val="242729"/>
+                </a:solidFill>
+                <a:effectLst/>
+                <a:latin typeface="Arial" panose="020B0604020202020204" pitchFamily="34" charset="0"/>
+                <a:cs typeface="Arial" panose="020B0604020202020204" pitchFamily="34" charset="0"/>
+              </a:rPr>
+              <a:t>without new</a:t>
+            </a:r>
+            <a:endParaRPr kumimoji="0" lang="en-US" altLang="en-US" sz="3200" b="0" i="0" u="none" strike="noStrike" cap="none" normalizeH="0" baseline="0" dirty="0" smtClean="0">
+              <a:ln>
+                <a:noFill/>
+              </a:ln>
+              <a:solidFill>
+                <a:srgbClr val="242729"/>
+              </a:solidFill>
+              <a:effectLst/>
+              <a:latin typeface="Arial" panose="020B0604020202020204" pitchFamily="34" charset="0"/>
+              <a:cs typeface="Arial" panose="020B0604020202020204" pitchFamily="34" charset="0"/>
+            </a:endParaRPr>
+          </a:p>
+          <a:p>
+            <a:pPr marL="0" marR="0" lvl="0" indent="0" algn="l" defTabSz="914400" rtl="0" eaLnBrk="0" fontAlgn="base" latinLnBrk="0" hangingPunct="0">
+              <a:lnSpc>
+                <a:spcPct val="100000"/>
+              </a:lnSpc>
+              <a:spcBef>
+                <a:spcPct val="0"/>
+              </a:spcBef>
+              <a:spcAft>
+                <a:spcPct val="0"/>
+              </a:spcAft>
+              <a:buClrTx/>
+              <a:buSzTx/>
+              <a:buFontTx/>
+              <a:buNone/>
+              <a:tabLst/>
+            </a:pPr>
+            <a:endParaRPr kumimoji="0" lang="en-US" altLang="en-US" sz="3200" b="0" i="0" u="none" strike="noStrike" cap="none" normalizeH="0" baseline="0" dirty="0" smtClean="0">
+              <a:ln>
+                <a:noFill/>
+              </a:ln>
+              <a:solidFill>
+                <a:schemeClr val="tx1"/>
+              </a:solidFill>
+              <a:effectLst/>
+              <a:latin typeface="Arial" panose="020B0604020202020204" pitchFamily="34" charset="0"/>
+            </a:endParaRPr>
+          </a:p>
+        </p:txBody>
+      </p:sp>
+      <p:pic>
+        <p:nvPicPr>
+          <p:cNvPr id="1027" name="Picture 3" descr="enter image description here"/>
+          <p:cNvPicPr>
+            <a:picLocks noChangeAspect="1" noChangeArrowheads="1"/>
+          </p:cNvPicPr>
+          <p:nvPr/>
+        </p:nvPicPr>
+        <p:blipFill>
+          <a:blip r:embed="rId2">
+            <a:extLst>
+              <a:ext uri="{28A0092B-C50C-407E-A947-70E740481C1C}">
+                <a14:useLocalDpi xmlns:a14="http://schemas.microsoft.com/office/drawing/2010/main" val="0"/>
+              </a:ext>
+            </a:extLst>
+          </a:blip>
+          <a:srcRect/>
+          <a:stretch>
+            <a:fillRect/>
+          </a:stretch>
+        </p:blipFill>
+        <p:spPr bwMode="auto">
+          <a:xfrm>
+            <a:off x="447675" y="177800"/>
+            <a:ext cx="6467475" cy="2552700"/>
+          </a:xfrm>
+          <a:prstGeom prst="rect">
+            <a:avLst/>
+          </a:prstGeom>
+          <a:noFill/>
+          <a:extLst>
+            <a:ext uri="{909E8E84-426E-40DD-AFC4-6F175D3DCCD1}">
+              <a14:hiddenFill xmlns:a14="http://schemas.microsoft.com/office/drawing/2010/main">
+                <a:solidFill>
+                  <a:srgbClr val="FFFFFF"/>
+                </a:solidFill>
+              </a14:hiddenFill>
+            </a:ext>
+          </a:extLst>
+        </p:spPr>
+      </p:pic>
+    </p:spTree>
+    <p:extLst>
+      <p:ext uri="{BB962C8B-B14F-4D97-AF65-F5344CB8AC3E}">
+        <p14:creationId xmlns:p14="http://schemas.microsoft.com/office/powerpoint/2010/main" val="1830280168"/>
       </p:ext>
     </p:extLst>
   </p:cSld>

--- a/ppt/Git.pptx
+++ b/ppt/Git.pptx
@@ -7,10 +7,12 @@
   <p:sldIdLst>
     <p:sldId id="258" r:id="rId2"/>
     <p:sldId id="259" r:id="rId3"/>
-    <p:sldId id="261" r:id="rId4"/>
-    <p:sldId id="256" r:id="rId5"/>
-    <p:sldId id="260" r:id="rId6"/>
-    <p:sldId id="262" r:id="rId7"/>
+    <p:sldId id="263" r:id="rId4"/>
+    <p:sldId id="264" r:id="rId5"/>
+    <p:sldId id="261" r:id="rId6"/>
+    <p:sldId id="256" r:id="rId7"/>
+    <p:sldId id="260" r:id="rId8"/>
+    <p:sldId id="262" r:id="rId9"/>
   </p:sldIdLst>
   <p:sldSz cx="12192000" cy="6858000"/>
   <p:notesSz cx="6858000" cy="9144000"/>
@@ -248,7 +250,7 @@
           <a:p>
             <a:fld id="{F1F983FE-EEA9-48C4-ADB0-C2BF715B0F69}" type="datetimeFigureOut">
               <a:rPr lang="en-US" smtClean="0"/>
-              <a:t>3/13/2017</a:t>
+              <a:t>3/30/2017</a:t>
             </a:fld>
             <a:endParaRPr lang="en-US"/>
           </a:p>
@@ -418,7 +420,7 @@
           <a:p>
             <a:fld id="{F1F983FE-EEA9-48C4-ADB0-C2BF715B0F69}" type="datetimeFigureOut">
               <a:rPr lang="en-US" smtClean="0"/>
-              <a:t>3/13/2017</a:t>
+              <a:t>3/30/2017</a:t>
             </a:fld>
             <a:endParaRPr lang="en-US"/>
           </a:p>
@@ -598,7 +600,7 @@
           <a:p>
             <a:fld id="{F1F983FE-EEA9-48C4-ADB0-C2BF715B0F69}" type="datetimeFigureOut">
               <a:rPr lang="en-US" smtClean="0"/>
-              <a:t>3/13/2017</a:t>
+              <a:t>3/30/2017</a:t>
             </a:fld>
             <a:endParaRPr lang="en-US"/>
           </a:p>
@@ -768,7 +770,7 @@
           <a:p>
             <a:fld id="{F1F983FE-EEA9-48C4-ADB0-C2BF715B0F69}" type="datetimeFigureOut">
               <a:rPr lang="en-US" smtClean="0"/>
-              <a:t>3/13/2017</a:t>
+              <a:t>3/30/2017</a:t>
             </a:fld>
             <a:endParaRPr lang="en-US"/>
           </a:p>
@@ -1014,7 +1016,7 @@
           <a:p>
             <a:fld id="{F1F983FE-EEA9-48C4-ADB0-C2BF715B0F69}" type="datetimeFigureOut">
               <a:rPr lang="en-US" smtClean="0"/>
-              <a:t>3/13/2017</a:t>
+              <a:t>3/30/2017</a:t>
             </a:fld>
             <a:endParaRPr lang="en-US"/>
           </a:p>
@@ -1246,7 +1248,7 @@
           <a:p>
             <a:fld id="{F1F983FE-EEA9-48C4-ADB0-C2BF715B0F69}" type="datetimeFigureOut">
               <a:rPr lang="en-US" smtClean="0"/>
-              <a:t>3/13/2017</a:t>
+              <a:t>3/30/2017</a:t>
             </a:fld>
             <a:endParaRPr lang="en-US"/>
           </a:p>
@@ -1613,7 +1615,7 @@
           <a:p>
             <a:fld id="{F1F983FE-EEA9-48C4-ADB0-C2BF715B0F69}" type="datetimeFigureOut">
               <a:rPr lang="en-US" smtClean="0"/>
-              <a:t>3/13/2017</a:t>
+              <a:t>3/30/2017</a:t>
             </a:fld>
             <a:endParaRPr lang="en-US"/>
           </a:p>
@@ -1731,7 +1733,7 @@
           <a:p>
             <a:fld id="{F1F983FE-EEA9-48C4-ADB0-C2BF715B0F69}" type="datetimeFigureOut">
               <a:rPr lang="en-US" smtClean="0"/>
-              <a:t>3/13/2017</a:t>
+              <a:t>3/30/2017</a:t>
             </a:fld>
             <a:endParaRPr lang="en-US"/>
           </a:p>
@@ -1826,7 +1828,7 @@
           <a:p>
             <a:fld id="{F1F983FE-EEA9-48C4-ADB0-C2BF715B0F69}" type="datetimeFigureOut">
               <a:rPr lang="en-US" smtClean="0"/>
-              <a:t>3/13/2017</a:t>
+              <a:t>3/30/2017</a:t>
             </a:fld>
             <a:endParaRPr lang="en-US"/>
           </a:p>
@@ -2103,7 +2105,7 @@
           <a:p>
             <a:fld id="{F1F983FE-EEA9-48C4-ADB0-C2BF715B0F69}" type="datetimeFigureOut">
               <a:rPr lang="en-US" smtClean="0"/>
-              <a:t>3/13/2017</a:t>
+              <a:t>3/30/2017</a:t>
             </a:fld>
             <a:endParaRPr lang="en-US"/>
           </a:p>
@@ -2356,7 +2358,7 @@
           <a:p>
             <a:fld id="{F1F983FE-EEA9-48C4-ADB0-C2BF715B0F69}" type="datetimeFigureOut">
               <a:rPr lang="en-US" smtClean="0"/>
-              <a:t>3/13/2017</a:t>
+              <a:t>3/30/2017</a:t>
             </a:fld>
             <a:endParaRPr lang="en-US"/>
           </a:p>
@@ -2569,7 +2571,7 @@
           <a:p>
             <a:fld id="{F1F983FE-EEA9-48C4-ADB0-C2BF715B0F69}" type="datetimeFigureOut">
               <a:rPr lang="en-US" smtClean="0"/>
-              <a:t>3/13/2017</a:t>
+              <a:t>3/30/2017</a:t>
             </a:fld>
             <a:endParaRPr lang="en-US"/>
           </a:p>
@@ -3137,17 +3139,21 @@
             <a:spLocks noGrp="1"/>
           </p:cNvSpPr>
           <p:nvPr>
-            <p:ph type="ctrTitle"/>
-          </p:nvPr>
-        </p:nvSpPr>
-        <p:spPr/>
-        <p:txBody>
-          <a:bodyPr/>
-          <a:lstStyle/>
-          <a:p>
+            <p:ph type="title"/>
+          </p:nvPr>
+        </p:nvSpPr>
+        <p:spPr/>
+        <p:txBody>
+          <a:bodyPr/>
+          <a:lstStyle/>
+          <a:p>
+            <a:r>
+              <a:rPr lang="en-US" dirty="0" err="1" smtClean="0"/>
+              <a:t>Git</a:t>
+            </a:r>
             <a:r>
               <a:rPr lang="en-US" dirty="0" smtClean="0"/>
-              <a:t>Switch to another branch	</a:t>
+              <a:t> starting</a:t>
             </a:r>
             <a:endParaRPr lang="en-US" dirty="0"/>
           </a:p>
@@ -3155,36 +3161,132 @@
       </p:sp>
       <p:sp>
         <p:nvSpPr>
-          <p:cNvPr id="3" name="Subtitle 2"/>
-          <p:cNvSpPr>
-            <a:spLocks noGrp="1"/>
-          </p:cNvSpPr>
-          <p:nvPr>
-            <p:ph type="subTitle" idx="1"/>
-          </p:nvPr>
-        </p:nvSpPr>
-        <p:spPr/>
-        <p:txBody>
-          <a:bodyPr/>
-          <a:lstStyle/>
-          <a:p>
+          <p:cNvPr id="3" name="Content Placeholder 2"/>
+          <p:cNvSpPr>
+            <a:spLocks noGrp="1"/>
+          </p:cNvSpPr>
+          <p:nvPr>
+            <p:ph idx="1"/>
+          </p:nvPr>
+        </p:nvSpPr>
+        <p:spPr/>
+        <p:txBody>
+          <a:bodyPr/>
+          <a:lstStyle/>
+          <a:p>
+            <a:endParaRPr lang="en-US" dirty="0" smtClean="0"/>
+          </a:p>
+          <a:p>
+            <a:r>
+              <a:rPr lang="en-US" dirty="0"/>
+              <a:t>create a new repository on the command </a:t>
+            </a:r>
+            <a:r>
+              <a:rPr lang="en-US" dirty="0" err="1"/>
+              <a:t>lineecho</a:t>
+            </a:r>
+            <a:r>
+              <a:rPr lang="en-US" dirty="0"/>
+              <a:t> "# </a:t>
+            </a:r>
+            <a:r>
+              <a:rPr lang="en-US" dirty="0" err="1"/>
+              <a:t>uiprac</a:t>
+            </a:r>
+            <a:r>
+              <a:rPr lang="en-US" dirty="0"/>
+              <a:t>" &gt;&gt; </a:t>
+            </a:r>
             <a:r>
               <a:rPr lang="en-US" dirty="0" smtClean="0"/>
-              <a:t>1. </a:t>
-            </a:r>
+              <a:t>README.md</a:t>
+            </a:r>
+          </a:p>
+          <a:p>
             <a:r>
               <a:rPr lang="en-US" dirty="0" err="1" smtClean="0"/>
               <a:t>git</a:t>
             </a:r>
             <a:r>
               <a:rPr lang="en-US" dirty="0" smtClean="0"/>
-              <a:t> checkout &lt;branch-name&gt;</a:t>
-            </a:r>
-          </a:p>
-          <a:p>
-            <a:endParaRPr lang="en-US" dirty="0" smtClean="0"/>
-          </a:p>
-          <a:p>
+              <a:t> </a:t>
+            </a:r>
+            <a:r>
+              <a:rPr lang="en-US" dirty="0" err="1"/>
+              <a:t>initgit</a:t>
+            </a:r>
+            <a:r>
+              <a:rPr lang="en-US" dirty="0"/>
+              <a:t> add </a:t>
+            </a:r>
+            <a:r>
+              <a:rPr lang="en-US" dirty="0" smtClean="0"/>
+              <a:t>README.md</a:t>
+            </a:r>
+          </a:p>
+          <a:p>
+            <a:r>
+              <a:rPr lang="en-US" dirty="0" err="1" smtClean="0"/>
+              <a:t>git</a:t>
+            </a:r>
+            <a:r>
+              <a:rPr lang="en-US" dirty="0" smtClean="0"/>
+              <a:t> </a:t>
+            </a:r>
+            <a:r>
+              <a:rPr lang="en-US" dirty="0"/>
+              <a:t>commit -m "first </a:t>
+            </a:r>
+            <a:r>
+              <a:rPr lang="en-US" dirty="0" smtClean="0"/>
+              <a:t>commit“</a:t>
+            </a:r>
+          </a:p>
+          <a:p>
+            <a:r>
+              <a:rPr lang="en-US" dirty="0" err="1" smtClean="0"/>
+              <a:t>git</a:t>
+            </a:r>
+            <a:r>
+              <a:rPr lang="en-US" dirty="0" smtClean="0"/>
+              <a:t> </a:t>
+            </a:r>
+            <a:r>
+              <a:rPr lang="en-US" dirty="0"/>
+              <a:t>remote add origin </a:t>
+            </a:r>
+            <a:r>
+              <a:rPr lang="en-US" dirty="0">
+                <a:hlinkClick r:id="rId2"/>
+              </a:rPr>
+              <a:t>https://</a:t>
+            </a:r>
+            <a:r>
+              <a:rPr lang="en-US" dirty="0" smtClean="0">
+                <a:hlinkClick r:id="rId2"/>
+              </a:rPr>
+              <a:t>github.com/sultan-mirza/uiprac.git </a:t>
+            </a:r>
+          </a:p>
+          <a:p>
+            <a:r>
+              <a:rPr lang="en-US" dirty="0" smtClean="0"/>
+              <a:t>(origin is just a variable for this repo, can use any name)</a:t>
+            </a:r>
+          </a:p>
+          <a:p>
+            <a:r>
+              <a:rPr lang="en-US" dirty="0" err="1" smtClean="0"/>
+              <a:t>git</a:t>
+            </a:r>
+            <a:r>
+              <a:rPr lang="en-US" dirty="0" smtClean="0"/>
+              <a:t> </a:t>
+            </a:r>
+            <a:r>
+              <a:rPr lang="en-US" dirty="0"/>
+              <a:t>push -u origin master</a:t>
+            </a:r>
             <a:endParaRPr lang="en-US" dirty="0"/>
           </a:p>
         </p:txBody>
@@ -3192,7 +3294,7 @@
     </p:spTree>
     <p:extLst>
       <p:ext uri="{BB962C8B-B14F-4D97-AF65-F5344CB8AC3E}">
-        <p14:creationId xmlns:p14="http://schemas.microsoft.com/office/powerpoint/2010/main" val="1499205993"/>
+        <p14:creationId xmlns:p14="http://schemas.microsoft.com/office/powerpoint/2010/main" val="2084085774"/>
       </p:ext>
     </p:extLst>
   </p:cSld>
@@ -3226,17 +3328,21 @@
             <a:spLocks noGrp="1"/>
           </p:cNvSpPr>
           <p:nvPr>
-            <p:ph type="ctrTitle"/>
-          </p:nvPr>
-        </p:nvSpPr>
-        <p:spPr/>
-        <p:txBody>
-          <a:bodyPr/>
-          <a:lstStyle/>
-          <a:p>
+            <p:ph type="title"/>
+          </p:nvPr>
+        </p:nvSpPr>
+        <p:spPr/>
+        <p:txBody>
+          <a:bodyPr/>
+          <a:lstStyle/>
+          <a:p>
+            <a:r>
+              <a:rPr lang="en-US" dirty="0"/>
+              <a:t>push an existing repository from the command </a:t>
+            </a:r>
             <a:r>
               <a:rPr lang="en-US" dirty="0" smtClean="0"/>
-              <a:t>Create new branch	</a:t>
+              <a:t>line</a:t>
             </a:r>
             <a:endParaRPr lang="en-US" dirty="0"/>
           </a:p>
@@ -3244,72 +3350,69 @@
       </p:sp>
       <p:sp>
         <p:nvSpPr>
-          <p:cNvPr id="3" name="Subtitle 2"/>
-          <p:cNvSpPr>
-            <a:spLocks noGrp="1"/>
-          </p:cNvSpPr>
-          <p:nvPr>
-            <p:ph type="subTitle" idx="1"/>
-          </p:nvPr>
-        </p:nvSpPr>
-        <p:spPr/>
-        <p:txBody>
-          <a:bodyPr/>
-          <a:lstStyle/>
-          <a:p>
+          <p:cNvPr id="3" name="Content Placeholder 2"/>
+          <p:cNvSpPr>
+            <a:spLocks noGrp="1"/>
+          </p:cNvSpPr>
+          <p:nvPr>
+            <p:ph idx="1"/>
+          </p:nvPr>
+        </p:nvSpPr>
+        <p:spPr/>
+        <p:txBody>
+          <a:bodyPr/>
+          <a:lstStyle/>
+          <a:p>
+            <a:r>
+              <a:rPr lang="en-US" dirty="0" err="1"/>
+              <a:t>g</a:t>
+            </a:r>
+            <a:r>
+              <a:rPr lang="en-US" dirty="0" err="1" smtClean="0"/>
+              <a:t>it</a:t>
+            </a:r>
             <a:r>
               <a:rPr lang="en-US" dirty="0" smtClean="0"/>
-              <a:t>1. </a:t>
-            </a:r>
+              <a:t> remote </a:t>
+            </a:r>
+            <a:r>
+              <a:rPr lang="en-US" dirty="0"/>
+              <a:t>add origin </a:t>
+            </a:r>
+            <a:r>
+              <a:rPr lang="en-US" dirty="0">
+                <a:hlinkClick r:id="rId2"/>
+              </a:rPr>
+              <a:t>https://</a:t>
+            </a:r>
+            <a:r>
+              <a:rPr lang="en-US" dirty="0" smtClean="0">
+                <a:hlinkClick r:id="rId2"/>
+              </a:rPr>
+              <a:t>github.com/sultan-mirza/uiprac.git</a:t>
+            </a:r>
+            <a:endParaRPr lang="en-US" dirty="0" smtClean="0"/>
+          </a:p>
+          <a:p>
             <a:r>
               <a:rPr lang="en-US" dirty="0" err="1" smtClean="0"/>
               <a:t>git</a:t>
             </a:r>
             <a:r>
               <a:rPr lang="en-US" dirty="0" smtClean="0"/>
-              <a:t> checkout –b &lt;branch-name&gt;</a:t>
-            </a:r>
-          </a:p>
-          <a:p>
-            <a:r>
-              <a:rPr lang="en-US" dirty="0" smtClean="0"/>
-              <a:t>2. a).</a:t>
-            </a:r>
-            <a:r>
-              <a:rPr lang="en-US" dirty="0" err="1" smtClean="0"/>
-              <a:t>git</a:t>
-            </a:r>
-            <a:r>
-              <a:rPr lang="en-US" dirty="0" smtClean="0"/>
-              <a:t> branch &lt;branch-name&gt;</a:t>
-            </a:r>
-          </a:p>
-          <a:p>
-            <a:r>
-              <a:rPr lang="en-US" dirty="0" smtClean="0"/>
-              <a:t>b).</a:t>
-            </a:r>
-            <a:r>
-              <a:rPr lang="en-US" dirty="0" err="1" smtClean="0"/>
-              <a:t>git</a:t>
-            </a:r>
-            <a:r>
-              <a:rPr lang="en-US" dirty="0" smtClean="0"/>
-              <a:t> checkout &lt;branch-name&gt;</a:t>
-            </a:r>
-          </a:p>
-          <a:p>
-            <a:endParaRPr lang="en-US" dirty="0" smtClean="0"/>
-          </a:p>
-          <a:p>
-            <a:endParaRPr lang="en-US" dirty="0"/>
+              <a:t> </a:t>
+            </a:r>
+            <a:r>
+              <a:rPr lang="en-US" dirty="0"/>
+              <a:t>push -u origin master</a:t>
+            </a:r>
           </a:p>
         </p:txBody>
       </p:sp>
     </p:spTree>
     <p:extLst>
       <p:ext uri="{BB962C8B-B14F-4D97-AF65-F5344CB8AC3E}">
-        <p14:creationId xmlns:p14="http://schemas.microsoft.com/office/powerpoint/2010/main" val="1227717411"/>
+        <p14:creationId xmlns:p14="http://schemas.microsoft.com/office/powerpoint/2010/main" val="3743607718"/>
       </p:ext>
     </p:extLst>
   </p:cSld>
@@ -3343,6 +3446,212 @@
             <a:spLocks noGrp="1"/>
           </p:cNvSpPr>
           <p:nvPr>
+            <p:ph type="ctrTitle"/>
+          </p:nvPr>
+        </p:nvSpPr>
+        <p:spPr/>
+        <p:txBody>
+          <a:bodyPr/>
+          <a:lstStyle/>
+          <a:p>
+            <a:r>
+              <a:rPr lang="en-US" dirty="0" smtClean="0"/>
+              <a:t>Switch to another branch	</a:t>
+            </a:r>
+            <a:endParaRPr lang="en-US" dirty="0"/>
+          </a:p>
+        </p:txBody>
+      </p:sp>
+      <p:sp>
+        <p:nvSpPr>
+          <p:cNvPr id="3" name="Subtitle 2"/>
+          <p:cNvSpPr>
+            <a:spLocks noGrp="1"/>
+          </p:cNvSpPr>
+          <p:nvPr>
+            <p:ph type="subTitle" idx="1"/>
+          </p:nvPr>
+        </p:nvSpPr>
+        <p:spPr/>
+        <p:txBody>
+          <a:bodyPr/>
+          <a:lstStyle/>
+          <a:p>
+            <a:r>
+              <a:rPr lang="en-US" dirty="0" smtClean="0"/>
+              <a:t>1. </a:t>
+            </a:r>
+            <a:r>
+              <a:rPr lang="en-US" dirty="0" err="1" smtClean="0"/>
+              <a:t>git</a:t>
+            </a:r>
+            <a:r>
+              <a:rPr lang="en-US" dirty="0" smtClean="0"/>
+              <a:t> checkout &lt;branch-name&gt;</a:t>
+            </a:r>
+          </a:p>
+          <a:p>
+            <a:endParaRPr lang="en-US" dirty="0" smtClean="0"/>
+          </a:p>
+          <a:p>
+            <a:endParaRPr lang="en-US" dirty="0"/>
+          </a:p>
+        </p:txBody>
+      </p:sp>
+    </p:spTree>
+    <p:extLst>
+      <p:ext uri="{BB962C8B-B14F-4D97-AF65-F5344CB8AC3E}">
+        <p14:creationId xmlns:p14="http://schemas.microsoft.com/office/powerpoint/2010/main" val="1499205993"/>
+      </p:ext>
+    </p:extLst>
+  </p:cSld>
+  <p:clrMapOvr>
+    <a:masterClrMapping/>
+  </p:clrMapOvr>
+</p:sld>
+</file>
+
+<file path=ppt/slides/slide6.xml><?xml version="1.0" encoding="utf-8"?>
+<p:sld xmlns:a="http://schemas.openxmlformats.org/drawingml/2006/main" xmlns:r="http://schemas.openxmlformats.org/officeDocument/2006/relationships" xmlns:p="http://schemas.openxmlformats.org/presentationml/2006/main">
+  <p:cSld>
+    <p:spTree>
+      <p:nvGrpSpPr>
+        <p:cNvPr id="1" name=""/>
+        <p:cNvGrpSpPr/>
+        <p:nvPr/>
+      </p:nvGrpSpPr>
+      <p:grpSpPr>
+        <a:xfrm>
+          <a:off x="0" y="0"/>
+          <a:ext cx="0" cy="0"/>
+          <a:chOff x="0" y="0"/>
+          <a:chExt cx="0" cy="0"/>
+        </a:xfrm>
+      </p:grpSpPr>
+      <p:sp>
+        <p:nvSpPr>
+          <p:cNvPr id="2" name="Title 1"/>
+          <p:cNvSpPr>
+            <a:spLocks noGrp="1"/>
+          </p:cNvSpPr>
+          <p:nvPr>
+            <p:ph type="ctrTitle"/>
+          </p:nvPr>
+        </p:nvSpPr>
+        <p:spPr/>
+        <p:txBody>
+          <a:bodyPr/>
+          <a:lstStyle/>
+          <a:p>
+            <a:r>
+              <a:rPr lang="en-US" dirty="0" smtClean="0"/>
+              <a:t>Create new branch	</a:t>
+            </a:r>
+            <a:endParaRPr lang="en-US" dirty="0"/>
+          </a:p>
+        </p:txBody>
+      </p:sp>
+      <p:sp>
+        <p:nvSpPr>
+          <p:cNvPr id="3" name="Subtitle 2"/>
+          <p:cNvSpPr>
+            <a:spLocks noGrp="1"/>
+          </p:cNvSpPr>
+          <p:nvPr>
+            <p:ph type="subTitle" idx="1"/>
+          </p:nvPr>
+        </p:nvSpPr>
+        <p:spPr/>
+        <p:txBody>
+          <a:bodyPr/>
+          <a:lstStyle/>
+          <a:p>
+            <a:r>
+              <a:rPr lang="en-US" dirty="0" smtClean="0"/>
+              <a:t>1. </a:t>
+            </a:r>
+            <a:r>
+              <a:rPr lang="en-US" dirty="0" err="1" smtClean="0"/>
+              <a:t>git</a:t>
+            </a:r>
+            <a:r>
+              <a:rPr lang="en-US" dirty="0" smtClean="0"/>
+              <a:t> checkout –b &lt;branch-name&gt;</a:t>
+            </a:r>
+          </a:p>
+          <a:p>
+            <a:r>
+              <a:rPr lang="en-US" dirty="0" smtClean="0"/>
+              <a:t>2. a).</a:t>
+            </a:r>
+            <a:r>
+              <a:rPr lang="en-US" dirty="0" err="1" smtClean="0"/>
+              <a:t>git</a:t>
+            </a:r>
+            <a:r>
+              <a:rPr lang="en-US" dirty="0" smtClean="0"/>
+              <a:t> branch &lt;branch-name&gt;</a:t>
+            </a:r>
+          </a:p>
+          <a:p>
+            <a:r>
+              <a:rPr lang="en-US" dirty="0" smtClean="0"/>
+              <a:t>b).</a:t>
+            </a:r>
+            <a:r>
+              <a:rPr lang="en-US" dirty="0" err="1" smtClean="0"/>
+              <a:t>git</a:t>
+            </a:r>
+            <a:r>
+              <a:rPr lang="en-US" dirty="0" smtClean="0"/>
+              <a:t> checkout &lt;branch-name&gt;</a:t>
+            </a:r>
+          </a:p>
+          <a:p>
+            <a:endParaRPr lang="en-US" dirty="0" smtClean="0"/>
+          </a:p>
+          <a:p>
+            <a:endParaRPr lang="en-US" dirty="0"/>
+          </a:p>
+        </p:txBody>
+      </p:sp>
+    </p:spTree>
+    <p:extLst>
+      <p:ext uri="{BB962C8B-B14F-4D97-AF65-F5344CB8AC3E}">
+        <p14:creationId xmlns:p14="http://schemas.microsoft.com/office/powerpoint/2010/main" val="1227717411"/>
+      </p:ext>
+    </p:extLst>
+  </p:cSld>
+  <p:clrMapOvr>
+    <a:masterClrMapping/>
+  </p:clrMapOvr>
+</p:sld>
+</file>
+
+<file path=ppt/slides/slide7.xml><?xml version="1.0" encoding="utf-8"?>
+<p:sld xmlns:a="http://schemas.openxmlformats.org/drawingml/2006/main" xmlns:r="http://schemas.openxmlformats.org/officeDocument/2006/relationships" xmlns:p="http://schemas.openxmlformats.org/presentationml/2006/main">
+  <p:cSld>
+    <p:spTree>
+      <p:nvGrpSpPr>
+        <p:cNvPr id="1" name=""/>
+        <p:cNvGrpSpPr/>
+        <p:nvPr/>
+      </p:nvGrpSpPr>
+      <p:grpSpPr>
+        <a:xfrm>
+          <a:off x="0" y="0"/>
+          <a:ext cx="0" cy="0"/>
+          <a:chOff x="0" y="0"/>
+          <a:chExt cx="0" cy="0"/>
+        </a:xfrm>
+      </p:grpSpPr>
+      <p:sp>
+        <p:nvSpPr>
+          <p:cNvPr id="2" name="Title 1"/>
+          <p:cNvSpPr>
+            <a:spLocks noGrp="1"/>
+          </p:cNvSpPr>
+          <p:nvPr>
             <p:ph type="title"/>
           </p:nvPr>
         </p:nvSpPr>
@@ -3417,7 +3726,7 @@
 </p:sld>
 </file>
 
-<file path=ppt/slides/slide6.xml><?xml version="1.0" encoding="utf-8"?>
+<file path=ppt/slides/slide8.xml><?xml version="1.0" encoding="utf-8"?>
 <p:sld xmlns:a="http://schemas.openxmlformats.org/drawingml/2006/main" xmlns:r="http://schemas.openxmlformats.org/officeDocument/2006/relationships" xmlns:p="http://schemas.openxmlformats.org/presentationml/2006/main">
   <p:cSld>
     <p:spTree>

--- a/ppt/Git.pptx
+++ b/ppt/Git.pptx
@@ -13,6 +13,7 @@
     <p:sldId id="256" r:id="rId7"/>
     <p:sldId id="260" r:id="rId8"/>
     <p:sldId id="262" r:id="rId9"/>
+    <p:sldId id="265" r:id="rId10"/>
   </p:sldIdLst>
   <p:sldSz cx="12192000" cy="6858000"/>
   <p:notesSz cx="6858000" cy="9144000"/>
@@ -250,7 +251,7 @@
           <a:p>
             <a:fld id="{F1F983FE-EEA9-48C4-ADB0-C2BF715B0F69}" type="datetimeFigureOut">
               <a:rPr lang="en-US" smtClean="0"/>
-              <a:t>3/30/2017</a:t>
+              <a:t>5/17/2017</a:t>
             </a:fld>
             <a:endParaRPr lang="en-US"/>
           </a:p>
@@ -420,7 +421,7 @@
           <a:p>
             <a:fld id="{F1F983FE-EEA9-48C4-ADB0-C2BF715B0F69}" type="datetimeFigureOut">
               <a:rPr lang="en-US" smtClean="0"/>
-              <a:t>3/30/2017</a:t>
+              <a:t>5/17/2017</a:t>
             </a:fld>
             <a:endParaRPr lang="en-US"/>
           </a:p>
@@ -600,7 +601,7 @@
           <a:p>
             <a:fld id="{F1F983FE-EEA9-48C4-ADB0-C2BF715B0F69}" type="datetimeFigureOut">
               <a:rPr lang="en-US" smtClean="0"/>
-              <a:t>3/30/2017</a:t>
+              <a:t>5/17/2017</a:t>
             </a:fld>
             <a:endParaRPr lang="en-US"/>
           </a:p>
@@ -770,7 +771,7 @@
           <a:p>
             <a:fld id="{F1F983FE-EEA9-48C4-ADB0-C2BF715B0F69}" type="datetimeFigureOut">
               <a:rPr lang="en-US" smtClean="0"/>
-              <a:t>3/30/2017</a:t>
+              <a:t>5/17/2017</a:t>
             </a:fld>
             <a:endParaRPr lang="en-US"/>
           </a:p>
@@ -1016,7 +1017,7 @@
           <a:p>
             <a:fld id="{F1F983FE-EEA9-48C4-ADB0-C2BF715B0F69}" type="datetimeFigureOut">
               <a:rPr lang="en-US" smtClean="0"/>
-              <a:t>3/30/2017</a:t>
+              <a:t>5/17/2017</a:t>
             </a:fld>
             <a:endParaRPr lang="en-US"/>
           </a:p>
@@ -1248,7 +1249,7 @@
           <a:p>
             <a:fld id="{F1F983FE-EEA9-48C4-ADB0-C2BF715B0F69}" type="datetimeFigureOut">
               <a:rPr lang="en-US" smtClean="0"/>
-              <a:t>3/30/2017</a:t>
+              <a:t>5/17/2017</a:t>
             </a:fld>
             <a:endParaRPr lang="en-US"/>
           </a:p>
@@ -1615,7 +1616,7 @@
           <a:p>
             <a:fld id="{F1F983FE-EEA9-48C4-ADB0-C2BF715B0F69}" type="datetimeFigureOut">
               <a:rPr lang="en-US" smtClean="0"/>
-              <a:t>3/30/2017</a:t>
+              <a:t>5/17/2017</a:t>
             </a:fld>
             <a:endParaRPr lang="en-US"/>
           </a:p>
@@ -1733,7 +1734,7 @@
           <a:p>
             <a:fld id="{F1F983FE-EEA9-48C4-ADB0-C2BF715B0F69}" type="datetimeFigureOut">
               <a:rPr lang="en-US" smtClean="0"/>
-              <a:t>3/30/2017</a:t>
+              <a:t>5/17/2017</a:t>
             </a:fld>
             <a:endParaRPr lang="en-US"/>
           </a:p>
@@ -1828,7 +1829,7 @@
           <a:p>
             <a:fld id="{F1F983FE-EEA9-48C4-ADB0-C2BF715B0F69}" type="datetimeFigureOut">
               <a:rPr lang="en-US" smtClean="0"/>
-              <a:t>3/30/2017</a:t>
+              <a:t>5/17/2017</a:t>
             </a:fld>
             <a:endParaRPr lang="en-US"/>
           </a:p>
@@ -2105,7 +2106,7 @@
           <a:p>
             <a:fld id="{F1F983FE-EEA9-48C4-ADB0-C2BF715B0F69}" type="datetimeFigureOut">
               <a:rPr lang="en-US" smtClean="0"/>
-              <a:t>3/30/2017</a:t>
+              <a:t>5/17/2017</a:t>
             </a:fld>
             <a:endParaRPr lang="en-US"/>
           </a:p>
@@ -2358,7 +2359,7 @@
           <a:p>
             <a:fld id="{F1F983FE-EEA9-48C4-ADB0-C2BF715B0F69}" type="datetimeFigureOut">
               <a:rPr lang="en-US" smtClean="0"/>
-              <a:t>3/30/2017</a:t>
+              <a:t>5/17/2017</a:t>
             </a:fld>
             <a:endParaRPr lang="en-US"/>
           </a:p>
@@ -2571,7 +2572,7 @@
           <a:p>
             <a:fld id="{F1F983FE-EEA9-48C4-ADB0-C2BF715B0F69}" type="datetimeFigureOut">
               <a:rPr lang="en-US" smtClean="0"/>
-              <a:t>3/30/2017</a:t>
+              <a:t>5/17/2017</a:t>
             </a:fld>
             <a:endParaRPr lang="en-US"/>
           </a:p>
@@ -3287,7 +3288,6 @@
               <a:rPr lang="en-US" dirty="0"/>
               <a:t>push -u origin master</a:t>
             </a:r>
-            <a:endParaRPr lang="en-US" dirty="0"/>
           </a:p>
         </p:txBody>
       </p:sp>
@@ -4175,6 +4175,248 @@
     <p:extLst>
       <p:ext uri="{BB962C8B-B14F-4D97-AF65-F5344CB8AC3E}">
         <p14:creationId xmlns:p14="http://schemas.microsoft.com/office/powerpoint/2010/main" val="1830280168"/>
+      </p:ext>
+    </p:extLst>
+  </p:cSld>
+  <p:clrMapOvr>
+    <a:masterClrMapping/>
+  </p:clrMapOvr>
+</p:sld>
+</file>
+
+<file path=ppt/slides/slide9.xml><?xml version="1.0" encoding="utf-8"?>
+<p:sld xmlns:a="http://schemas.openxmlformats.org/drawingml/2006/main" xmlns:r="http://schemas.openxmlformats.org/officeDocument/2006/relationships" xmlns:p="http://schemas.openxmlformats.org/presentationml/2006/main">
+  <p:cSld>
+    <p:spTree>
+      <p:nvGrpSpPr>
+        <p:cNvPr id="1" name=""/>
+        <p:cNvGrpSpPr/>
+        <p:nvPr/>
+      </p:nvGrpSpPr>
+      <p:grpSpPr>
+        <a:xfrm>
+          <a:off x="0" y="0"/>
+          <a:ext cx="0" cy="0"/>
+          <a:chOff x="0" y="0"/>
+          <a:chExt cx="0" cy="0"/>
+        </a:xfrm>
+      </p:grpSpPr>
+      <p:sp>
+        <p:nvSpPr>
+          <p:cNvPr id="2" name="Title 1"/>
+          <p:cNvSpPr>
+            <a:spLocks noGrp="1"/>
+          </p:cNvSpPr>
+          <p:nvPr>
+            <p:ph type="title"/>
+          </p:nvPr>
+        </p:nvSpPr>
+        <p:spPr/>
+        <p:txBody>
+          <a:bodyPr/>
+          <a:lstStyle/>
+          <a:p>
+            <a:r>
+              <a:rPr lang="en-US" dirty="0" smtClean="0"/>
+              <a:t>Get update from remote to local</a:t>
+            </a:r>
+            <a:endParaRPr lang="en-US" dirty="0"/>
+          </a:p>
+        </p:txBody>
+      </p:sp>
+      <p:sp>
+        <p:nvSpPr>
+          <p:cNvPr id="3" name="Content Placeholder 2"/>
+          <p:cNvSpPr>
+            <a:spLocks noGrp="1"/>
+          </p:cNvSpPr>
+          <p:nvPr>
+            <p:ph idx="1"/>
+          </p:nvPr>
+        </p:nvSpPr>
+        <p:spPr/>
+        <p:txBody>
+          <a:bodyPr/>
+          <a:lstStyle/>
+          <a:p>
+            <a:r>
+              <a:rPr lang="en-US" dirty="0"/>
+              <a:t> </a:t>
+            </a:r>
+            <a:r>
+              <a:rPr lang="en-US" dirty="0" err="1"/>
+              <a:t>git</a:t>
+            </a:r>
+            <a:r>
+              <a:rPr lang="en-US" dirty="0"/>
+              <a:t> pull origin </a:t>
+            </a:r>
+            <a:r>
+              <a:rPr lang="en-US" dirty="0" smtClean="0"/>
+              <a:t>code-ref</a:t>
+            </a:r>
+          </a:p>
+          <a:p>
+            <a:r>
+              <a:rPr lang="en-US" dirty="0" err="1"/>
+              <a:t>git</a:t>
+            </a:r>
+            <a:r>
+              <a:rPr lang="en-US" dirty="0"/>
+              <a:t> reset --hard </a:t>
+            </a:r>
+            <a:r>
+              <a:rPr lang="en-US" dirty="0" smtClean="0"/>
+              <a:t>origin/branch</a:t>
+            </a:r>
+          </a:p>
+          <a:p>
+            <a:r>
+              <a:rPr lang="en-US" dirty="0" err="1"/>
+              <a:t>git</a:t>
+            </a:r>
+            <a:r>
+              <a:rPr lang="en-US" dirty="0"/>
+              <a:t> clean </a:t>
+            </a:r>
+            <a:r>
+              <a:rPr lang="en-US" dirty="0" smtClean="0"/>
+              <a:t>–n (lists the </a:t>
+            </a:r>
+            <a:r>
+              <a:rPr lang="en-US" dirty="0" err="1" smtClean="0"/>
+              <a:t>unstaged</a:t>
+            </a:r>
+            <a:r>
+              <a:rPr lang="en-US" dirty="0" smtClean="0"/>
+              <a:t> file that will be deleted )</a:t>
+            </a:r>
+          </a:p>
+          <a:p>
+            <a:r>
+              <a:rPr lang="en-US" dirty="0" err="1"/>
+              <a:t>git</a:t>
+            </a:r>
+            <a:r>
+              <a:rPr lang="en-US" dirty="0"/>
+              <a:t> clean </a:t>
+            </a:r>
+            <a:r>
+              <a:rPr lang="en-US" dirty="0" smtClean="0"/>
+              <a:t>–f(deletes </a:t>
+            </a:r>
+            <a:r>
+              <a:rPr lang="en-US" dirty="0" err="1" smtClean="0"/>
+              <a:t>unstaged</a:t>
+            </a:r>
+            <a:r>
+              <a:rPr lang="en-US" dirty="0" smtClean="0"/>
+              <a:t> files)</a:t>
+            </a:r>
+          </a:p>
+          <a:p>
+            <a:r>
+              <a:rPr lang="en-US" dirty="0"/>
+              <a:t>To remove directories, run </a:t>
+            </a:r>
+            <a:r>
+              <a:rPr lang="en-US" dirty="0" err="1"/>
+              <a:t>git</a:t>
+            </a:r>
+            <a:r>
+              <a:rPr lang="en-US" dirty="0"/>
+              <a:t> clean -f -d or </a:t>
+            </a:r>
+            <a:r>
+              <a:rPr lang="en-US" dirty="0" err="1"/>
+              <a:t>git</a:t>
+            </a:r>
+            <a:r>
+              <a:rPr lang="en-US" dirty="0"/>
+              <a:t> clean </a:t>
+            </a:r>
+            <a:r>
+              <a:rPr lang="en-US" dirty="0" smtClean="0"/>
+              <a:t>–</a:t>
+            </a:r>
+            <a:r>
+              <a:rPr lang="en-US" dirty="0" err="1" smtClean="0"/>
+              <a:t>fd</a:t>
+            </a:r>
+            <a:endParaRPr lang="en-US" dirty="0" smtClean="0"/>
+          </a:p>
+          <a:p>
+            <a:r>
+              <a:rPr lang="en-US" dirty="0" smtClean="0"/>
+              <a:t>To </a:t>
+            </a:r>
+            <a:r>
+              <a:rPr lang="en-US" dirty="0"/>
+              <a:t>remove ignored files, run </a:t>
+            </a:r>
+            <a:r>
+              <a:rPr lang="en-US" dirty="0" err="1"/>
+              <a:t>git</a:t>
+            </a:r>
+            <a:r>
+              <a:rPr lang="en-US" dirty="0"/>
+              <a:t> clean -f -X or </a:t>
+            </a:r>
+            <a:r>
+              <a:rPr lang="en-US" dirty="0" err="1"/>
+              <a:t>git</a:t>
+            </a:r>
+            <a:r>
+              <a:rPr lang="en-US" dirty="0"/>
+              <a:t> clean </a:t>
+            </a:r>
+            <a:r>
+              <a:rPr lang="en-US" dirty="0" smtClean="0"/>
+              <a:t>–</a:t>
+            </a:r>
+            <a:r>
+              <a:rPr lang="en-US" dirty="0" err="1" smtClean="0"/>
+              <a:t>fX</a:t>
+            </a:r>
+            <a:endParaRPr lang="en-US" dirty="0" smtClean="0"/>
+          </a:p>
+          <a:p>
+            <a:r>
+              <a:rPr lang="en-US" dirty="0" smtClean="0"/>
+              <a:t>To </a:t>
+            </a:r>
+            <a:r>
+              <a:rPr lang="en-US" dirty="0"/>
+              <a:t>remove ignored and non-ignored files, run </a:t>
+            </a:r>
+            <a:r>
+              <a:rPr lang="en-US" dirty="0" err="1"/>
+              <a:t>git</a:t>
+            </a:r>
+            <a:r>
+              <a:rPr lang="en-US" dirty="0"/>
+              <a:t> clean -f -x or </a:t>
+            </a:r>
+            <a:r>
+              <a:rPr lang="en-US" dirty="0" err="1"/>
+              <a:t>git</a:t>
+            </a:r>
+            <a:r>
+              <a:rPr lang="en-US" dirty="0"/>
+              <a:t> clean -</a:t>
+            </a:r>
+            <a:r>
+              <a:rPr lang="en-US" dirty="0" err="1"/>
+              <a:t>fx</a:t>
+            </a:r>
+            <a:endParaRPr lang="en-US" dirty="0"/>
+          </a:p>
+        </p:txBody>
+      </p:sp>
+    </p:spTree>
+    <p:extLst>
+      <p:ext uri="{BB962C8B-B14F-4D97-AF65-F5344CB8AC3E}">
+        <p14:creationId xmlns:p14="http://schemas.microsoft.com/office/powerpoint/2010/main" val="2272739048"/>
       </p:ext>
     </p:extLst>
   </p:cSld>

--- a/ppt/Git.pptx
+++ b/ppt/Git.pptx
@@ -14,6 +14,7 @@
     <p:sldId id="260" r:id="rId8"/>
     <p:sldId id="262" r:id="rId9"/>
     <p:sldId id="265" r:id="rId10"/>
+    <p:sldId id="266" r:id="rId11"/>
   </p:sldIdLst>
   <p:sldSz cx="12192000" cy="6858000"/>
   <p:notesSz cx="6858000" cy="9144000"/>
@@ -251,7 +252,7 @@
           <a:p>
             <a:fld id="{F1F983FE-EEA9-48C4-ADB0-C2BF715B0F69}" type="datetimeFigureOut">
               <a:rPr lang="en-US" smtClean="0"/>
-              <a:t>5/17/2017</a:t>
+              <a:t>6/7/2017</a:t>
             </a:fld>
             <a:endParaRPr lang="en-US"/>
           </a:p>
@@ -421,7 +422,7 @@
           <a:p>
             <a:fld id="{F1F983FE-EEA9-48C4-ADB0-C2BF715B0F69}" type="datetimeFigureOut">
               <a:rPr lang="en-US" smtClean="0"/>
-              <a:t>5/17/2017</a:t>
+              <a:t>6/7/2017</a:t>
             </a:fld>
             <a:endParaRPr lang="en-US"/>
           </a:p>
@@ -601,7 +602,7 @@
           <a:p>
             <a:fld id="{F1F983FE-EEA9-48C4-ADB0-C2BF715B0F69}" type="datetimeFigureOut">
               <a:rPr lang="en-US" smtClean="0"/>
-              <a:t>5/17/2017</a:t>
+              <a:t>6/7/2017</a:t>
             </a:fld>
             <a:endParaRPr lang="en-US"/>
           </a:p>
@@ -771,7 +772,7 @@
           <a:p>
             <a:fld id="{F1F983FE-EEA9-48C4-ADB0-C2BF715B0F69}" type="datetimeFigureOut">
               <a:rPr lang="en-US" smtClean="0"/>
-              <a:t>5/17/2017</a:t>
+              <a:t>6/7/2017</a:t>
             </a:fld>
             <a:endParaRPr lang="en-US"/>
           </a:p>
@@ -1017,7 +1018,7 @@
           <a:p>
             <a:fld id="{F1F983FE-EEA9-48C4-ADB0-C2BF715B0F69}" type="datetimeFigureOut">
               <a:rPr lang="en-US" smtClean="0"/>
-              <a:t>5/17/2017</a:t>
+              <a:t>6/7/2017</a:t>
             </a:fld>
             <a:endParaRPr lang="en-US"/>
           </a:p>
@@ -1249,7 +1250,7 @@
           <a:p>
             <a:fld id="{F1F983FE-EEA9-48C4-ADB0-C2BF715B0F69}" type="datetimeFigureOut">
               <a:rPr lang="en-US" smtClean="0"/>
-              <a:t>5/17/2017</a:t>
+              <a:t>6/7/2017</a:t>
             </a:fld>
             <a:endParaRPr lang="en-US"/>
           </a:p>
@@ -1616,7 +1617,7 @@
           <a:p>
             <a:fld id="{F1F983FE-EEA9-48C4-ADB0-C2BF715B0F69}" type="datetimeFigureOut">
               <a:rPr lang="en-US" smtClean="0"/>
-              <a:t>5/17/2017</a:t>
+              <a:t>6/7/2017</a:t>
             </a:fld>
             <a:endParaRPr lang="en-US"/>
           </a:p>
@@ -1734,7 +1735,7 @@
           <a:p>
             <a:fld id="{F1F983FE-EEA9-48C4-ADB0-C2BF715B0F69}" type="datetimeFigureOut">
               <a:rPr lang="en-US" smtClean="0"/>
-              <a:t>5/17/2017</a:t>
+              <a:t>6/7/2017</a:t>
             </a:fld>
             <a:endParaRPr lang="en-US"/>
           </a:p>
@@ -1829,7 +1830,7 @@
           <a:p>
             <a:fld id="{F1F983FE-EEA9-48C4-ADB0-C2BF715B0F69}" type="datetimeFigureOut">
               <a:rPr lang="en-US" smtClean="0"/>
-              <a:t>5/17/2017</a:t>
+              <a:t>6/7/2017</a:t>
             </a:fld>
             <a:endParaRPr lang="en-US"/>
           </a:p>
@@ -2106,7 +2107,7 @@
           <a:p>
             <a:fld id="{F1F983FE-EEA9-48C4-ADB0-C2BF715B0F69}" type="datetimeFigureOut">
               <a:rPr lang="en-US" smtClean="0"/>
-              <a:t>5/17/2017</a:t>
+              <a:t>6/7/2017</a:t>
             </a:fld>
             <a:endParaRPr lang="en-US"/>
           </a:p>
@@ -2359,7 +2360,7 @@
           <a:p>
             <a:fld id="{F1F983FE-EEA9-48C4-ADB0-C2BF715B0F69}" type="datetimeFigureOut">
               <a:rPr lang="en-US" smtClean="0"/>
-              <a:t>5/17/2017</a:t>
+              <a:t>6/7/2017</a:t>
             </a:fld>
             <a:endParaRPr lang="en-US"/>
           </a:p>
@@ -2572,7 +2573,7 @@
           <a:p>
             <a:fld id="{F1F983FE-EEA9-48C4-ADB0-C2BF715B0F69}" type="datetimeFigureOut">
               <a:rPr lang="en-US" smtClean="0"/>
-              <a:t>5/17/2017</a:t>
+              <a:t>6/7/2017</a:t>
             </a:fld>
             <a:endParaRPr lang="en-US"/>
           </a:p>
@@ -3032,6 +3033,266 @@
 </p:sld>
 </file>
 
+<file path=ppt/slides/slide10.xml><?xml version="1.0" encoding="utf-8"?>
+<p:sld xmlns:a="http://schemas.openxmlformats.org/drawingml/2006/main" xmlns:r="http://schemas.openxmlformats.org/officeDocument/2006/relationships" xmlns:p="http://schemas.openxmlformats.org/presentationml/2006/main">
+  <p:cSld>
+    <p:spTree>
+      <p:nvGrpSpPr>
+        <p:cNvPr id="1" name=""/>
+        <p:cNvGrpSpPr/>
+        <p:nvPr/>
+      </p:nvGrpSpPr>
+      <p:grpSpPr>
+        <a:xfrm>
+          <a:off x="0" y="0"/>
+          <a:ext cx="0" cy="0"/>
+          <a:chOff x="0" y="0"/>
+          <a:chExt cx="0" cy="0"/>
+        </a:xfrm>
+      </p:grpSpPr>
+      <p:sp>
+        <p:nvSpPr>
+          <p:cNvPr id="2" name="Title 1"/>
+          <p:cNvSpPr>
+            <a:spLocks noGrp="1"/>
+          </p:cNvSpPr>
+          <p:nvPr>
+            <p:ph type="title"/>
+          </p:nvPr>
+        </p:nvSpPr>
+        <p:spPr/>
+        <p:txBody>
+          <a:bodyPr/>
+          <a:lstStyle/>
+          <a:p>
+            <a:r>
+              <a:rPr lang="en-US" dirty="0" smtClean="0"/>
+              <a:t>Remove deleted files </a:t>
+            </a:r>
+            <a:r>
+              <a:rPr lang="en-US" smtClean="0"/>
+              <a:t>from list</a:t>
+            </a:r>
+            <a:endParaRPr lang="en-US"/>
+          </a:p>
+        </p:txBody>
+      </p:sp>
+      <p:sp>
+        <p:nvSpPr>
+          <p:cNvPr id="4" name="Rectangle 1"/>
+          <p:cNvSpPr>
+            <a:spLocks noGrp="1" noChangeArrowheads="1"/>
+          </p:cNvSpPr>
+          <p:nvPr>
+            <p:ph idx="1"/>
+          </p:nvPr>
+        </p:nvSpPr>
+        <p:spPr bwMode="auto">
+          <a:prstGeom prst="rect">
+            <a:avLst/>
+          </a:prstGeom>
+          <a:solidFill>
+            <a:srgbClr val="EFF0F1"/>
+          </a:solidFill>
+          <a:ln>
+            <a:noFill/>
+          </a:ln>
+          <a:effectLst/>
+          <a:extLst>
+            <a:ext uri="{91240B29-F687-4F45-9708-019B960494DF}">
+              <a14:hiddenLine xmlns:a14="http://schemas.microsoft.com/office/drawing/2010/main" w="9525">
+                <a:solidFill>
+                  <a:schemeClr val="tx1"/>
+                </a:solidFill>
+                <a:miter lim="800000"/>
+                <a:headEnd/>
+                <a:tailEnd/>
+              </a14:hiddenLine>
+            </a:ext>
+            <a:ext uri="{AF507438-7753-43E0-B8FC-AC1667EBCBE1}">
+              <a14:hiddenEffects xmlns:a14="http://schemas.microsoft.com/office/drawing/2010/main">
+                <a:effectLst>
+                  <a:outerShdw dist="35921" dir="2700000" algn="ctr" rotWithShape="0">
+                    <a:schemeClr val="bg2"/>
+                  </a:outerShdw>
+                </a:effectLst>
+              </a14:hiddenEffects>
+            </a:ext>
+          </a:extLst>
+        </p:spPr>
+        <p:txBody>
+          <a:bodyPr vert="horz" wrap="none" lIns="0" tIns="0" rIns="0" bIns="0" numCol="1" anchor="ctr" anchorCtr="0" compatLnSpc="1">
+            <a:prstTxWarp prst="textNoShape">
+              <a:avLst/>
+            </a:prstTxWarp>
+            <a:spAutoFit/>
+          </a:bodyPr>
+          <a:lstStyle/>
+          <a:p>
+            <a:pPr marL="0" marR="0" lvl="0" indent="0" algn="l" defTabSz="914400" rtl="0" eaLnBrk="0" fontAlgn="base" latinLnBrk="0" hangingPunct="0">
+              <a:lnSpc>
+                <a:spcPct val="100000"/>
+              </a:lnSpc>
+              <a:spcBef>
+                <a:spcPct val="0"/>
+              </a:spcBef>
+              <a:spcAft>
+                <a:spcPct val="0"/>
+              </a:spcAft>
+              <a:buClrTx/>
+              <a:buSzTx/>
+              <a:buFontTx/>
+              <a:buNone/>
+              <a:tabLst/>
+            </a:pPr>
+            <a:r>
+              <a:rPr kumimoji="0" lang="en-US" altLang="en-US" sz="900" b="0" i="0" u="none" strike="noStrike" cap="none" normalizeH="0" baseline="0" smtClean="0">
+                <a:ln>
+                  <a:noFill/>
+                </a:ln>
+                <a:solidFill>
+                  <a:srgbClr val="242729"/>
+                </a:solidFill>
+                <a:effectLst/>
+                <a:latin typeface="Consolas" panose="020B0609020204030204" pitchFamily="49" charset="0"/>
+                <a:cs typeface="Consolas" panose="020B0609020204030204" pitchFamily="49" charset="0"/>
+              </a:rPr>
+              <a:t>git ls-files </a:t>
+            </a:r>
+            <a:r>
+              <a:rPr kumimoji="0" lang="en-US" altLang="en-US" sz="900" b="1" i="0" u="none" strike="noStrike" cap="none" normalizeH="0" baseline="0" smtClean="0">
+                <a:ln>
+                  <a:noFill/>
+                </a:ln>
+                <a:solidFill>
+                  <a:srgbClr val="242729"/>
+                </a:solidFill>
+                <a:effectLst/>
+                <a:latin typeface="inherit"/>
+                <a:cs typeface="Consolas" panose="020B0609020204030204" pitchFamily="49" charset="0"/>
+              </a:rPr>
+              <a:t>--deleted</a:t>
+            </a:r>
+            <a:r>
+              <a:rPr kumimoji="0" lang="en-US" altLang="en-US" sz="900" b="0" i="0" u="none" strike="noStrike" cap="none" normalizeH="0" baseline="0" smtClean="0">
+                <a:ln>
+                  <a:noFill/>
+                </a:ln>
+                <a:solidFill>
+                  <a:srgbClr val="242729"/>
+                </a:solidFill>
+                <a:effectLst/>
+                <a:latin typeface="Consolas" panose="020B0609020204030204" pitchFamily="49" charset="0"/>
+                <a:cs typeface="Consolas" panose="020B0609020204030204" pitchFamily="49" charset="0"/>
+              </a:rPr>
+              <a:t> -z | </a:t>
+            </a:r>
+            <a:r>
+              <a:rPr kumimoji="0" lang="en-US" altLang="en-US" sz="900" b="0" i="0" u="none" strike="noStrike" cap="none" normalizeH="0" baseline="0" smtClean="0">
+                <a:ln>
+                  <a:noFill/>
+                </a:ln>
+                <a:solidFill>
+                  <a:srgbClr val="005999"/>
+                </a:solidFill>
+                <a:effectLst/>
+                <a:latin typeface="inherit"/>
+                <a:cs typeface="Consolas" panose="020B0609020204030204" pitchFamily="49" charset="0"/>
+                <a:hlinkClick r:id="rId2"/>
+              </a:rPr>
+              <a:t>git update-index</a:t>
+            </a:r>
+            <a:r>
+              <a:rPr kumimoji="0" lang="en-US" altLang="en-US" sz="900" b="0" i="0" u="none" strike="noStrike" cap="none" normalizeH="0" baseline="0" smtClean="0">
+                <a:ln>
+                  <a:noFill/>
+                </a:ln>
+                <a:solidFill>
+                  <a:srgbClr val="242729"/>
+                </a:solidFill>
+                <a:effectLst/>
+                <a:latin typeface="Consolas" panose="020B0609020204030204" pitchFamily="49" charset="0"/>
+                <a:cs typeface="Consolas" panose="020B0609020204030204" pitchFamily="49" charset="0"/>
+              </a:rPr>
+              <a:t> </a:t>
+            </a:r>
+            <a:r>
+              <a:rPr kumimoji="0" lang="en-US" altLang="en-US" sz="900" b="1" i="0" u="none" strike="noStrike" cap="none" normalizeH="0" baseline="0" smtClean="0">
+                <a:ln>
+                  <a:noFill/>
+                </a:ln>
+                <a:solidFill>
+                  <a:srgbClr val="242729"/>
+                </a:solidFill>
+                <a:effectLst/>
+                <a:latin typeface="inherit"/>
+                <a:cs typeface="Consolas" panose="020B0609020204030204" pitchFamily="49" charset="0"/>
+              </a:rPr>
+              <a:t>--assume-unchanged</a:t>
+            </a:r>
+            <a:r>
+              <a:rPr kumimoji="0" lang="en-US" altLang="en-US" sz="900" b="0" i="0" u="none" strike="noStrike" cap="none" normalizeH="0" baseline="0" smtClean="0">
+                <a:ln>
+                  <a:noFill/>
+                </a:ln>
+                <a:solidFill>
+                  <a:srgbClr val="242729"/>
+                </a:solidFill>
+                <a:effectLst/>
+                <a:latin typeface="Consolas" panose="020B0609020204030204" pitchFamily="49" charset="0"/>
+                <a:cs typeface="Consolas" panose="020B0609020204030204" pitchFamily="49" charset="0"/>
+              </a:rPr>
+              <a:t> -z --stdin</a:t>
+            </a:r>
+            <a:r>
+              <a:rPr kumimoji="0" lang="en-US" altLang="en-US" sz="800" b="0" i="0" u="none" strike="noStrike" cap="none" normalizeH="0" baseline="0" smtClean="0">
+                <a:ln>
+                  <a:noFill/>
+                </a:ln>
+                <a:solidFill>
+                  <a:schemeClr val="tx1"/>
+                </a:solidFill>
+                <a:effectLst/>
+              </a:rPr>
+              <a:t/>
+            </a:r>
+            <a:br>
+              <a:rPr kumimoji="0" lang="en-US" altLang="en-US" sz="800" b="0" i="0" u="none" strike="noStrike" cap="none" normalizeH="0" baseline="0" smtClean="0">
+                <a:ln>
+                  <a:noFill/>
+                </a:ln>
+                <a:solidFill>
+                  <a:schemeClr val="tx1"/>
+                </a:solidFill>
+                <a:effectLst/>
+              </a:rPr>
+            </a:br>
+            <a:endParaRPr kumimoji="0" lang="en-US" altLang="en-US" sz="1800" b="0" i="0" u="none" strike="noStrike" cap="none" normalizeH="0" baseline="0" smtClean="0">
+              <a:ln>
+                <a:noFill/>
+              </a:ln>
+              <a:solidFill>
+                <a:schemeClr val="tx1"/>
+              </a:solidFill>
+              <a:effectLst/>
+              <a:latin typeface="Arial" panose="020B0604020202020204" pitchFamily="34" charset="0"/>
+            </a:endParaRPr>
+          </a:p>
+        </p:txBody>
+      </p:sp>
+    </p:spTree>
+    <p:extLst>
+      <p:ext uri="{BB962C8B-B14F-4D97-AF65-F5344CB8AC3E}">
+        <p14:creationId xmlns:p14="http://schemas.microsoft.com/office/powerpoint/2010/main" val="3553306839"/>
+      </p:ext>
+    </p:extLst>
+  </p:cSld>
+  <p:clrMapOvr>
+    <a:masterClrMapping/>
+  </p:clrMapOvr>
+</p:sld>
+</file>
+
 <file path=ppt/slides/slide2.xml><?xml version="1.0" encoding="utf-8"?>
 <p:sld xmlns:a="http://schemas.openxmlformats.org/drawingml/2006/main" xmlns:r="http://schemas.openxmlformats.org/officeDocument/2006/relationships" xmlns:p="http://schemas.openxmlformats.org/presentationml/2006/main">
   <p:cSld>
